--- a/Sesiones/Modelo.pptx
+++ b/Sesiones/Modelo.pptx
@@ -5739,330 +5739,75 @@
           <a:chExt cx="0" cy="0"/>
         </a:xfrm>
       </p:grpSpPr>
-      <p:sp>
-        <p:nvSpPr>
-          <p:cNvPr id="12" name="Rounded Rectangle 11"/>
-          <p:cNvSpPr/>
+      <p:cxnSp>
+        <p:nvCxnSpPr>
+          <p:cNvPr id="41" name="Elbow Connector 40"/>
+          <p:cNvCxnSpPr/>
           <p:nvPr/>
-        </p:nvSpPr>
-        <p:spPr>
-          <a:xfrm>
-            <a:off x="723263" y="688489"/>
-            <a:ext cx="11296941" cy="1129554"/>
-          </a:xfrm>
-          <a:prstGeom prst="roundRect">
-            <a:avLst/>
+        </p:nvCxnSpPr>
+        <p:spPr>
+          <a:xfrm rot="16200000" flipH="1">
+            <a:off x="2965802" y="6232818"/>
+            <a:ext cx="43033" cy="2246171"/>
+          </a:xfrm>
+          <a:prstGeom prst="bentConnector3">
+            <a:avLst>
+              <a:gd name="adj1" fmla="val 631220"/>
+            </a:avLst>
           </a:prstGeom>
-          <a:solidFill>
-            <a:schemeClr val="bg1">
-              <a:lumMod val="95000"/>
-            </a:schemeClr>
-          </a:solidFill>
-          <a:ln w="28575">
-            <a:solidFill>
-              <a:schemeClr val="accent1"/>
-            </a:solidFill>
-          </a:ln>
         </p:spPr>
         <p:style>
-          <a:lnRef idx="2">
-            <a:schemeClr val="accent1">
-              <a:shade val="50000"/>
-            </a:schemeClr>
+          <a:lnRef idx="1">
+            <a:schemeClr val="accent1"/>
           </a:lnRef>
-          <a:fillRef idx="1">
+          <a:fillRef idx="0">
             <a:schemeClr val="accent1"/>
           </a:fillRef>
           <a:effectRef idx="0">
             <a:schemeClr val="accent1"/>
           </a:effectRef>
           <a:fontRef idx="minor">
-            <a:schemeClr val="lt1"/>
+            <a:schemeClr val="tx1"/>
           </a:fontRef>
         </p:style>
-        <p:txBody>
-          <a:bodyPr rtlCol="0" anchor="ctr"/>
-          <a:lstStyle/>
-          <a:p>
-            <a:pPr algn="ctr"/>
-            <a:endParaRPr lang="es-ES_tradnl" sz="1000" dirty="0"/>
-          </a:p>
-        </p:txBody>
-      </p:sp>
-      <p:sp>
-        <p:nvSpPr>
-          <p:cNvPr id="2" name="TextBox 1"/>
-          <p:cNvSpPr txBox="1"/>
-          <p:nvPr/>
-        </p:nvSpPr>
-        <p:spPr>
-          <a:xfrm>
-            <a:off x="1007535" y="1031929"/>
-            <a:ext cx="1719461" cy="442674"/>
-          </a:xfrm>
-          <a:prstGeom prst="roundRect">
-            <a:avLst/>
-          </a:prstGeom>
-          <a:solidFill>
-            <a:schemeClr val="bg1">
-              <a:lumMod val="85000"/>
-            </a:schemeClr>
-          </a:solidFill>
-          <a:ln w="12700">
-            <a:solidFill>
-              <a:schemeClr val="tx1"/>
-            </a:solidFill>
-          </a:ln>
-        </p:spPr>
-        <p:txBody>
-          <a:bodyPr wrap="square" rtlCol="0" anchor="ctr">
-            <a:spAutoFit/>
-          </a:bodyPr>
-          <a:lstStyle/>
-          <a:p>
-            <a:pPr algn="ctr"/>
-            <a:r>
-              <a:rPr lang="es-ES_tradnl" sz="1000" b="1" dirty="0" smtClean="0">
-                <a:latin typeface="Helvetica" charset="0"/>
-                <a:ea typeface="Helvetica" charset="0"/>
-                <a:cs typeface="Helvetica" charset="0"/>
-              </a:rPr>
-              <a:t>Definir Problema de Investigación</a:t>
-            </a:r>
-            <a:endParaRPr lang="es-ES_tradnl" sz="1000" b="1" dirty="0">
-              <a:latin typeface="Helvetica" charset="0"/>
-              <a:ea typeface="Helvetica" charset="0"/>
-              <a:cs typeface="Helvetica" charset="0"/>
-            </a:endParaRPr>
-          </a:p>
-        </p:txBody>
-      </p:sp>
-      <p:sp>
-        <p:nvSpPr>
-          <p:cNvPr id="3" name="TextBox 2"/>
-          <p:cNvSpPr txBox="1"/>
-          <p:nvPr/>
-        </p:nvSpPr>
-        <p:spPr>
-          <a:xfrm>
-            <a:off x="5512003" y="1031929"/>
-            <a:ext cx="1719461" cy="442674"/>
-          </a:xfrm>
-          <a:prstGeom prst="roundRect">
-            <a:avLst/>
-          </a:prstGeom>
-          <a:solidFill>
-            <a:schemeClr val="accent6">
-              <a:lumMod val="60000"/>
-              <a:lumOff val="40000"/>
-            </a:schemeClr>
-          </a:solidFill>
-          <a:ln w="12700">
-            <a:solidFill>
-              <a:schemeClr val="tx1"/>
-            </a:solidFill>
-          </a:ln>
-        </p:spPr>
-        <p:txBody>
-          <a:bodyPr wrap="square" rtlCol="0" anchor="ctr">
-            <a:spAutoFit/>
-          </a:bodyPr>
-          <a:lstStyle/>
-          <a:p>
-            <a:pPr algn="ctr"/>
-            <a:r>
-              <a:rPr lang="es-ES_tradnl" sz="1000" b="1" dirty="0" smtClean="0">
-                <a:latin typeface="Helvetica" charset="0"/>
-                <a:ea typeface="Helvetica" charset="0"/>
-                <a:cs typeface="Helvetica" charset="0"/>
-              </a:rPr>
-              <a:t>Diseñar el plan de Investigación</a:t>
-            </a:r>
-            <a:endParaRPr lang="es-ES_tradnl" sz="1000" b="1" dirty="0">
-              <a:latin typeface="Helvetica" charset="0"/>
-              <a:ea typeface="Helvetica" charset="0"/>
-              <a:cs typeface="Helvetica" charset="0"/>
-            </a:endParaRPr>
-          </a:p>
-        </p:txBody>
-      </p:sp>
-      <p:sp>
-        <p:nvSpPr>
-          <p:cNvPr id="4" name="TextBox 3"/>
-          <p:cNvSpPr txBox="1"/>
-          <p:nvPr/>
-        </p:nvSpPr>
-        <p:spPr>
-          <a:xfrm>
-            <a:off x="3259769" y="1031929"/>
-            <a:ext cx="1719461" cy="442674"/>
-          </a:xfrm>
-          <a:prstGeom prst="roundRect">
-            <a:avLst/>
-          </a:prstGeom>
-          <a:solidFill>
-            <a:schemeClr val="accent2"/>
-          </a:solidFill>
-          <a:ln w="12700">
-            <a:solidFill>
-              <a:schemeClr val="tx1"/>
-            </a:solidFill>
-          </a:ln>
-        </p:spPr>
-        <p:txBody>
-          <a:bodyPr wrap="square" rtlCol="0" anchor="ctr">
-            <a:spAutoFit/>
-          </a:bodyPr>
-          <a:lstStyle/>
-          <a:p>
-            <a:pPr algn="ctr"/>
-            <a:r>
-              <a:rPr lang="es-ES_tradnl" sz="1000" b="1" dirty="0" smtClean="0">
-                <a:latin typeface="Helvetica" charset="0"/>
-                <a:ea typeface="Helvetica" charset="0"/>
-                <a:cs typeface="Helvetica" charset="0"/>
-              </a:rPr>
-              <a:t>Revisar              Literatura</a:t>
-            </a:r>
-            <a:endParaRPr lang="es-ES_tradnl" sz="1000" b="1" dirty="0">
-              <a:latin typeface="Helvetica" charset="0"/>
-              <a:ea typeface="Helvetica" charset="0"/>
-              <a:cs typeface="Helvetica" charset="0"/>
-            </a:endParaRPr>
-          </a:p>
-        </p:txBody>
-      </p:sp>
-      <p:sp>
-        <p:nvSpPr>
-          <p:cNvPr id="5" name="TextBox 4"/>
-          <p:cNvSpPr txBox="1"/>
-          <p:nvPr/>
-        </p:nvSpPr>
-        <p:spPr>
-          <a:xfrm>
-            <a:off x="10016471" y="1031929"/>
-            <a:ext cx="1719461" cy="442674"/>
-          </a:xfrm>
-          <a:prstGeom prst="roundRect">
-            <a:avLst/>
-          </a:prstGeom>
-          <a:solidFill>
-            <a:schemeClr val="accent1">
-              <a:lumMod val="60000"/>
-              <a:lumOff val="40000"/>
-            </a:schemeClr>
-          </a:solidFill>
-          <a:ln w="12700">
-            <a:solidFill>
-              <a:schemeClr val="tx1"/>
-            </a:solidFill>
-          </a:ln>
-        </p:spPr>
-        <p:txBody>
-          <a:bodyPr wrap="square" rtlCol="0" anchor="ctr">
-            <a:spAutoFit/>
-          </a:bodyPr>
-          <a:lstStyle/>
-          <a:p>
-            <a:pPr algn="ctr"/>
-            <a:r>
-              <a:rPr lang="es-ES_tradnl" sz="1000" b="1" dirty="0" smtClean="0">
-                <a:latin typeface="Helvetica" charset="0"/>
-                <a:ea typeface="Helvetica" charset="0"/>
-                <a:cs typeface="Helvetica" charset="0"/>
-              </a:rPr>
-              <a:t>Presentar    Investigación</a:t>
-            </a:r>
-            <a:endParaRPr lang="es-ES_tradnl" sz="1000" b="1" dirty="0">
-              <a:latin typeface="Helvetica" charset="0"/>
-              <a:ea typeface="Helvetica" charset="0"/>
-              <a:cs typeface="Helvetica" charset="0"/>
-            </a:endParaRPr>
-          </a:p>
-        </p:txBody>
-      </p:sp>
-      <p:sp>
-        <p:nvSpPr>
-          <p:cNvPr id="19" name="TextBox 18"/>
-          <p:cNvSpPr txBox="1"/>
-          <p:nvPr/>
-        </p:nvSpPr>
-        <p:spPr>
-          <a:xfrm>
-            <a:off x="7764237" y="1031929"/>
-            <a:ext cx="1719461" cy="442674"/>
-          </a:xfrm>
-          <a:prstGeom prst="roundRect">
-            <a:avLst/>
-          </a:prstGeom>
-          <a:solidFill>
-            <a:schemeClr val="accent4">
-              <a:lumMod val="40000"/>
-              <a:lumOff val="60000"/>
-            </a:schemeClr>
-          </a:solidFill>
-          <a:ln w="12700">
-            <a:solidFill>
-              <a:schemeClr val="tx1"/>
-            </a:solidFill>
-          </a:ln>
-        </p:spPr>
-        <p:txBody>
-          <a:bodyPr wrap="square" rtlCol="0" anchor="ctr">
-            <a:spAutoFit/>
-          </a:bodyPr>
-          <a:lstStyle/>
-          <a:p>
-            <a:pPr algn="ctr"/>
-            <a:r>
-              <a:rPr lang="es-ES_tradnl" sz="1000" b="1" dirty="0" smtClean="0">
-                <a:latin typeface="Helvetica" charset="0"/>
-                <a:ea typeface="Helvetica" charset="0"/>
-                <a:cs typeface="Helvetica" charset="0"/>
-              </a:rPr>
-              <a:t>Decidir cómo probar Hipótesis</a:t>
-            </a:r>
-            <a:endParaRPr lang="es-ES_tradnl" sz="1000" b="1" dirty="0">
-              <a:latin typeface="Helvetica" charset="0"/>
-              <a:ea typeface="Helvetica" charset="0"/>
-              <a:cs typeface="Helvetica" charset="0"/>
-            </a:endParaRPr>
-          </a:p>
-        </p:txBody>
-      </p:sp>
+      </p:cxnSp>
       <p:grpSp>
         <p:nvGrpSpPr>
-          <p:cNvPr id="49" name="Group 48"/>
+          <p:cNvPr id="52" name="Group 51"/>
           <p:cNvGrpSpPr/>
           <p:nvPr/>
         </p:nvGrpSpPr>
         <p:grpSpPr>
           <a:xfrm>
-            <a:off x="1728162" y="2065468"/>
-            <a:ext cx="9287143" cy="3582297"/>
-            <a:chOff x="1586684" y="2065468"/>
-            <a:chExt cx="9287143" cy="3582297"/>
+            <a:off x="447530" y="949362"/>
+            <a:ext cx="11296941" cy="4959276"/>
+            <a:chOff x="723263" y="688489"/>
+            <a:chExt cx="11296941" cy="4959276"/>
           </a:xfrm>
         </p:grpSpPr>
         <p:sp>
           <p:nvSpPr>
-            <p:cNvPr id="45" name="Rounded Rectangle 44"/>
+            <p:cNvPr id="12" name="Rounded Rectangle 11"/>
             <p:cNvSpPr/>
             <p:nvPr/>
           </p:nvSpPr>
           <p:spPr>
             <a:xfrm>
-              <a:off x="1586684" y="2065468"/>
-              <a:ext cx="9287143" cy="3582297"/>
+              <a:off x="723263" y="688489"/>
+              <a:ext cx="11296941" cy="1129554"/>
             </a:xfrm>
             <a:prstGeom prst="roundRect">
               <a:avLst/>
             </a:prstGeom>
             <a:solidFill>
-              <a:schemeClr val="bg2"/>
+              <a:schemeClr val="bg1">
+                <a:lumMod val="95000"/>
+              </a:schemeClr>
             </a:solidFill>
             <a:ln w="28575">
-              <a:noFill/>
+              <a:solidFill>
+                <a:schemeClr val="accent1"/>
+              </a:solidFill>
             </a:ln>
           </p:spPr>
           <p:style>
@@ -6090,183 +5835,277 @@
             </a:p>
           </p:txBody>
         </p:sp>
+        <p:sp>
+          <p:nvSpPr>
+            <p:cNvPr id="2" name="TextBox 1"/>
+            <p:cNvSpPr txBox="1"/>
+            <p:nvPr/>
+          </p:nvSpPr>
+          <p:spPr>
+            <a:xfrm>
+              <a:off x="1007535" y="1031929"/>
+              <a:ext cx="1719461" cy="442674"/>
+            </a:xfrm>
+            <a:prstGeom prst="roundRect">
+              <a:avLst/>
+            </a:prstGeom>
+            <a:solidFill>
+              <a:schemeClr val="bg1">
+                <a:lumMod val="85000"/>
+              </a:schemeClr>
+            </a:solidFill>
+            <a:ln w="12700">
+              <a:solidFill>
+                <a:schemeClr val="tx1"/>
+              </a:solidFill>
+            </a:ln>
+          </p:spPr>
+          <p:txBody>
+            <a:bodyPr wrap="square" rtlCol="0" anchor="ctr">
+              <a:spAutoFit/>
+            </a:bodyPr>
+            <a:lstStyle/>
+            <a:p>
+              <a:pPr algn="ctr"/>
+              <a:r>
+                <a:rPr lang="es-ES_tradnl" sz="1000" b="1" dirty="0" smtClean="0">
+                  <a:latin typeface="Helvetica" charset="0"/>
+                  <a:ea typeface="Helvetica" charset="0"/>
+                  <a:cs typeface="Helvetica" charset="0"/>
+                </a:rPr>
+                <a:t>Definir Problema de Investigación</a:t>
+              </a:r>
+              <a:endParaRPr lang="es-ES_tradnl" sz="1000" b="1" dirty="0">
+                <a:latin typeface="Helvetica" charset="0"/>
+                <a:ea typeface="Helvetica" charset="0"/>
+                <a:cs typeface="Helvetica" charset="0"/>
+              </a:endParaRPr>
+            </a:p>
+          </p:txBody>
+        </p:sp>
+        <p:sp>
+          <p:nvSpPr>
+            <p:cNvPr id="3" name="TextBox 2"/>
+            <p:cNvSpPr txBox="1"/>
+            <p:nvPr/>
+          </p:nvSpPr>
+          <p:spPr>
+            <a:xfrm>
+              <a:off x="5512003" y="1031929"/>
+              <a:ext cx="1719461" cy="442674"/>
+            </a:xfrm>
+            <a:prstGeom prst="roundRect">
+              <a:avLst/>
+            </a:prstGeom>
+            <a:solidFill>
+              <a:schemeClr val="accent6">
+                <a:lumMod val="60000"/>
+                <a:lumOff val="40000"/>
+              </a:schemeClr>
+            </a:solidFill>
+            <a:ln w="12700">
+              <a:solidFill>
+                <a:schemeClr val="tx1"/>
+              </a:solidFill>
+            </a:ln>
+          </p:spPr>
+          <p:txBody>
+            <a:bodyPr wrap="square" rtlCol="0" anchor="ctr">
+              <a:spAutoFit/>
+            </a:bodyPr>
+            <a:lstStyle/>
+            <a:p>
+              <a:pPr algn="ctr"/>
+              <a:r>
+                <a:rPr lang="es-ES_tradnl" sz="1000" b="1" dirty="0" smtClean="0">
+                  <a:latin typeface="Helvetica" charset="0"/>
+                  <a:ea typeface="Helvetica" charset="0"/>
+                  <a:cs typeface="Helvetica" charset="0"/>
+                </a:rPr>
+                <a:t>Diseñar el plan de Investigación</a:t>
+              </a:r>
+              <a:endParaRPr lang="es-ES_tradnl" sz="1000" b="1" dirty="0">
+                <a:latin typeface="Helvetica" charset="0"/>
+                <a:ea typeface="Helvetica" charset="0"/>
+                <a:cs typeface="Helvetica" charset="0"/>
+              </a:endParaRPr>
+            </a:p>
+          </p:txBody>
+        </p:sp>
+        <p:sp>
+          <p:nvSpPr>
+            <p:cNvPr id="4" name="TextBox 3"/>
+            <p:cNvSpPr txBox="1"/>
+            <p:nvPr/>
+          </p:nvSpPr>
+          <p:spPr>
+            <a:xfrm>
+              <a:off x="3259769" y="1031929"/>
+              <a:ext cx="1719461" cy="442674"/>
+            </a:xfrm>
+            <a:prstGeom prst="roundRect">
+              <a:avLst/>
+            </a:prstGeom>
+            <a:solidFill>
+              <a:schemeClr val="accent2"/>
+            </a:solidFill>
+            <a:ln w="12700">
+              <a:solidFill>
+                <a:schemeClr val="tx1"/>
+              </a:solidFill>
+            </a:ln>
+          </p:spPr>
+          <p:txBody>
+            <a:bodyPr wrap="square" rtlCol="0" anchor="ctr">
+              <a:spAutoFit/>
+            </a:bodyPr>
+            <a:lstStyle/>
+            <a:p>
+              <a:pPr algn="ctr"/>
+              <a:r>
+                <a:rPr lang="es-ES_tradnl" sz="1000" b="1" dirty="0" smtClean="0">
+                  <a:latin typeface="Helvetica" charset="0"/>
+                  <a:ea typeface="Helvetica" charset="0"/>
+                  <a:cs typeface="Helvetica" charset="0"/>
+                </a:rPr>
+                <a:t>Revisar              Literatura</a:t>
+              </a:r>
+              <a:endParaRPr lang="es-ES_tradnl" sz="1000" b="1" dirty="0">
+                <a:latin typeface="Helvetica" charset="0"/>
+                <a:ea typeface="Helvetica" charset="0"/>
+                <a:cs typeface="Helvetica" charset="0"/>
+              </a:endParaRPr>
+            </a:p>
+          </p:txBody>
+        </p:sp>
+        <p:sp>
+          <p:nvSpPr>
+            <p:cNvPr id="5" name="TextBox 4"/>
+            <p:cNvSpPr txBox="1"/>
+            <p:nvPr/>
+          </p:nvSpPr>
+          <p:spPr>
+            <a:xfrm>
+              <a:off x="10016471" y="1031929"/>
+              <a:ext cx="1719461" cy="442674"/>
+            </a:xfrm>
+            <a:prstGeom prst="roundRect">
+              <a:avLst/>
+            </a:prstGeom>
+            <a:solidFill>
+              <a:schemeClr val="accent1">
+                <a:lumMod val="60000"/>
+                <a:lumOff val="40000"/>
+              </a:schemeClr>
+            </a:solidFill>
+            <a:ln w="12700">
+              <a:solidFill>
+                <a:schemeClr val="tx1"/>
+              </a:solidFill>
+            </a:ln>
+          </p:spPr>
+          <p:txBody>
+            <a:bodyPr wrap="square" rtlCol="0" anchor="ctr">
+              <a:spAutoFit/>
+            </a:bodyPr>
+            <a:lstStyle/>
+            <a:p>
+              <a:pPr algn="ctr"/>
+              <a:r>
+                <a:rPr lang="es-ES_tradnl" sz="1000" b="1" dirty="0" smtClean="0">
+                  <a:latin typeface="Helvetica" charset="0"/>
+                  <a:ea typeface="Helvetica" charset="0"/>
+                  <a:cs typeface="Helvetica" charset="0"/>
+                </a:rPr>
+                <a:t>Presentar    Investigación</a:t>
+              </a:r>
+              <a:endParaRPr lang="es-ES_tradnl" sz="1000" b="1" dirty="0">
+                <a:latin typeface="Helvetica" charset="0"/>
+                <a:ea typeface="Helvetica" charset="0"/>
+                <a:cs typeface="Helvetica" charset="0"/>
+              </a:endParaRPr>
+            </a:p>
+          </p:txBody>
+        </p:sp>
+        <p:sp>
+          <p:nvSpPr>
+            <p:cNvPr id="19" name="TextBox 18"/>
+            <p:cNvSpPr txBox="1"/>
+            <p:nvPr/>
+          </p:nvSpPr>
+          <p:spPr>
+            <a:xfrm>
+              <a:off x="7764237" y="1031929"/>
+              <a:ext cx="1719461" cy="442674"/>
+            </a:xfrm>
+            <a:prstGeom prst="roundRect">
+              <a:avLst/>
+            </a:prstGeom>
+            <a:solidFill>
+              <a:schemeClr val="accent4">
+                <a:lumMod val="40000"/>
+                <a:lumOff val="60000"/>
+              </a:schemeClr>
+            </a:solidFill>
+            <a:ln w="12700">
+              <a:solidFill>
+                <a:schemeClr val="tx1"/>
+              </a:solidFill>
+            </a:ln>
+          </p:spPr>
+          <p:txBody>
+            <a:bodyPr wrap="square" rtlCol="0" anchor="ctr">
+              <a:spAutoFit/>
+            </a:bodyPr>
+            <a:lstStyle/>
+            <a:p>
+              <a:pPr algn="ctr"/>
+              <a:r>
+                <a:rPr lang="es-ES_tradnl" sz="1000" b="1" dirty="0" smtClean="0">
+                  <a:latin typeface="Helvetica" charset="0"/>
+                  <a:ea typeface="Helvetica" charset="0"/>
+                  <a:cs typeface="Helvetica" charset="0"/>
+                </a:rPr>
+                <a:t>Decidir cómo probar Hipótesis</a:t>
+              </a:r>
+              <a:endParaRPr lang="es-ES_tradnl" sz="1000" b="1" dirty="0">
+                <a:latin typeface="Helvetica" charset="0"/>
+                <a:ea typeface="Helvetica" charset="0"/>
+                <a:cs typeface="Helvetica" charset="0"/>
+              </a:endParaRPr>
+            </a:p>
+          </p:txBody>
+        </p:sp>
         <p:grpSp>
           <p:nvGrpSpPr>
-            <p:cNvPr id="48" name="Group 47"/>
+            <p:cNvPr id="49" name="Group 48"/>
             <p:cNvGrpSpPr/>
             <p:nvPr/>
           </p:nvGrpSpPr>
           <p:grpSpPr>
             <a:xfrm>
-              <a:off x="1899853" y="2177447"/>
-              <a:ext cx="8660805" cy="3047878"/>
-              <a:chOff x="2027136" y="2177447"/>
-              <a:chExt cx="8660805" cy="3047878"/>
+              <a:off x="1728162" y="2065468"/>
+              <a:ext cx="9287143" cy="3582297"/>
+              <a:chOff x="1586684" y="2065468"/>
+              <a:chExt cx="9287143" cy="3582297"/>
             </a:xfrm>
           </p:grpSpPr>
           <p:sp>
             <p:nvSpPr>
-              <p:cNvPr id="26" name="Rounded Rectangle 25"/>
+              <p:cNvPr id="45" name="Rounded Rectangle 44"/>
               <p:cNvSpPr/>
               <p:nvPr/>
             </p:nvSpPr>
             <p:spPr>
               <a:xfrm>
-                <a:off x="8783838" y="2177447"/>
-                <a:ext cx="1904103" cy="3041528"/>
+                <a:off x="1586684" y="2065468"/>
+                <a:ext cx="9287143" cy="3582297"/>
               </a:xfrm>
               <a:prstGeom prst="roundRect">
                 <a:avLst/>
               </a:prstGeom>
               <a:solidFill>
-                <a:schemeClr val="accent1">
-                  <a:lumMod val="60000"/>
-                  <a:lumOff val="40000"/>
-                </a:schemeClr>
-              </a:solidFill>
-              <a:ln w="28575">
-                <a:noFill/>
-              </a:ln>
-            </p:spPr>
-            <p:style>
-              <a:lnRef idx="2">
-                <a:schemeClr val="accent1">
-                  <a:shade val="50000"/>
-                </a:schemeClr>
-              </a:lnRef>
-              <a:fillRef idx="1">
-                <a:schemeClr val="accent1"/>
-              </a:fillRef>
-              <a:effectRef idx="0">
-                <a:schemeClr val="accent1"/>
-              </a:effectRef>
-              <a:fontRef idx="minor">
-                <a:schemeClr val="lt1"/>
-              </a:fontRef>
-            </p:style>
-            <p:txBody>
-              <a:bodyPr rtlCol="0" anchor="ctr"/>
-              <a:lstStyle/>
-              <a:p>
-                <a:pPr algn="ctr"/>
-                <a:endParaRPr lang="es-ES_tradnl" sz="1000" dirty="0"/>
-              </a:p>
-            </p:txBody>
-          </p:sp>
-          <p:sp>
-            <p:nvSpPr>
-              <p:cNvPr id="25" name="Rounded Rectangle 24"/>
-              <p:cNvSpPr/>
-              <p:nvPr/>
-            </p:nvSpPr>
-            <p:spPr>
-              <a:xfrm>
-                <a:off x="6525541" y="2177447"/>
-                <a:ext cx="1904103" cy="3041528"/>
-              </a:xfrm>
-              <a:prstGeom prst="roundRect">
-                <a:avLst/>
-              </a:prstGeom>
-              <a:solidFill>
-                <a:schemeClr val="accent4">
-                  <a:lumMod val="40000"/>
-                  <a:lumOff val="60000"/>
-                </a:schemeClr>
-              </a:solidFill>
-              <a:ln w="28575">
-                <a:noFill/>
-              </a:ln>
-            </p:spPr>
-            <p:style>
-              <a:lnRef idx="2">
-                <a:schemeClr val="accent1">
-                  <a:shade val="50000"/>
-                </a:schemeClr>
-              </a:lnRef>
-              <a:fillRef idx="1">
-                <a:schemeClr val="accent1"/>
-              </a:fillRef>
-              <a:effectRef idx="0">
-                <a:schemeClr val="accent1"/>
-              </a:effectRef>
-              <a:fontRef idx="minor">
-                <a:schemeClr val="lt1"/>
-              </a:fontRef>
-            </p:style>
-            <p:txBody>
-              <a:bodyPr rtlCol="0" anchor="ctr"/>
-              <a:lstStyle/>
-              <a:p>
-                <a:pPr algn="ctr"/>
-                <a:endParaRPr lang="es-ES_tradnl" sz="1000" dirty="0"/>
-              </a:p>
-            </p:txBody>
-          </p:sp>
-          <p:sp>
-            <p:nvSpPr>
-              <p:cNvPr id="24" name="Rounded Rectangle 23"/>
-              <p:cNvSpPr/>
-              <p:nvPr/>
-            </p:nvSpPr>
-            <p:spPr>
-              <a:xfrm>
-                <a:off x="4273307" y="2177447"/>
-                <a:ext cx="1904103" cy="3041528"/>
-              </a:xfrm>
-              <a:prstGeom prst="roundRect">
-                <a:avLst/>
-              </a:prstGeom>
-              <a:solidFill>
-                <a:schemeClr val="accent6">
-                  <a:lumMod val="60000"/>
-                  <a:lumOff val="40000"/>
-                </a:schemeClr>
-              </a:solidFill>
-              <a:ln w="28575">
-                <a:noFill/>
-              </a:ln>
-            </p:spPr>
-            <p:style>
-              <a:lnRef idx="2">
-                <a:schemeClr val="accent1">
-                  <a:shade val="50000"/>
-                </a:schemeClr>
-              </a:lnRef>
-              <a:fillRef idx="1">
-                <a:schemeClr val="accent1"/>
-              </a:fillRef>
-              <a:effectRef idx="0">
-                <a:schemeClr val="accent1"/>
-              </a:effectRef>
-              <a:fontRef idx="minor">
-                <a:schemeClr val="lt1"/>
-              </a:fontRef>
-            </p:style>
-            <p:txBody>
-              <a:bodyPr rtlCol="0" anchor="ctr"/>
-              <a:lstStyle/>
-              <a:p>
-                <a:pPr algn="ctr"/>
-                <a:endParaRPr lang="es-ES_tradnl" sz="1000" dirty="0"/>
-              </a:p>
-            </p:txBody>
-          </p:sp>
-          <p:sp>
-            <p:nvSpPr>
-              <p:cNvPr id="23" name="Rounded Rectangle 22"/>
-              <p:cNvSpPr/>
-              <p:nvPr/>
-            </p:nvSpPr>
-            <p:spPr>
-              <a:xfrm>
-                <a:off x="2027136" y="2177447"/>
-                <a:ext cx="1904103" cy="2998495"/>
-              </a:xfrm>
-              <a:prstGeom prst="roundRect">
-                <a:avLst/>
-              </a:prstGeom>
-              <a:solidFill>
-                <a:schemeClr val="accent2"/>
+                <a:schemeClr val="bg2"/>
               </a:solidFill>
               <a:ln w="28575">
                 <a:noFill/>
@@ -6299,734 +6138,970 @@
           </p:sp>
           <p:grpSp>
             <p:nvGrpSpPr>
-              <p:cNvPr id="28" name="Group 27"/>
+              <p:cNvPr id="48" name="Group 47"/>
               <p:cNvGrpSpPr/>
               <p:nvPr/>
             </p:nvGrpSpPr>
             <p:grpSpPr>
               <a:xfrm>
-                <a:off x="8876160" y="3214579"/>
-                <a:ext cx="1719461" cy="967264"/>
-                <a:chOff x="10016471" y="2664905"/>
-                <a:chExt cx="1719461" cy="967264"/>
+                <a:off x="1899853" y="2177447"/>
+                <a:ext cx="8660805" cy="3047878"/>
+                <a:chOff x="2027136" y="2177447"/>
+                <a:chExt cx="8660805" cy="3047878"/>
               </a:xfrm>
             </p:grpSpPr>
             <p:sp>
               <p:nvSpPr>
-                <p:cNvPr id="9" name="TextBox 8"/>
-                <p:cNvSpPr txBox="1"/>
+                <p:cNvPr id="26" name="Rounded Rectangle 25"/>
+                <p:cNvSpPr/>
                 <p:nvPr/>
               </p:nvSpPr>
               <p:spPr>
                 <a:xfrm>
-                  <a:off x="10016471" y="3359754"/>
-                  <a:ext cx="1719461" cy="272415"/>
+                  <a:off x="8783838" y="2177447"/>
+                  <a:ext cx="1904103" cy="3041528"/>
                 </a:xfrm>
                 <a:prstGeom prst="roundRect">
                   <a:avLst/>
                 </a:prstGeom>
                 <a:solidFill>
-                  <a:schemeClr val="bg1">
-                    <a:lumMod val="85000"/>
+                  <a:schemeClr val="accent1">
+                    <a:lumMod val="60000"/>
+                    <a:lumOff val="40000"/>
                   </a:schemeClr>
                 </a:solidFill>
-                <a:ln w="12700">
-                  <a:solidFill>
-                    <a:schemeClr val="tx1"/>
-                  </a:solidFill>
+                <a:ln w="28575">
+                  <a:noFill/>
                 </a:ln>
               </p:spPr>
+              <p:style>
+                <a:lnRef idx="2">
+                  <a:schemeClr val="accent1">
+                    <a:shade val="50000"/>
+                  </a:schemeClr>
+                </a:lnRef>
+                <a:fillRef idx="1">
+                  <a:schemeClr val="accent1"/>
+                </a:fillRef>
+                <a:effectRef idx="0">
+                  <a:schemeClr val="accent1"/>
+                </a:effectRef>
+                <a:fontRef idx="minor">
+                  <a:schemeClr val="lt1"/>
+                </a:fontRef>
+              </p:style>
               <p:txBody>
-                <a:bodyPr wrap="square" rtlCol="0" anchor="ctr">
-                  <a:spAutoFit/>
-                </a:bodyPr>
+                <a:bodyPr rtlCol="0" anchor="ctr"/>
                 <a:lstStyle/>
                 <a:p>
                   <a:pPr algn="ctr"/>
-                  <a:r>
-                    <a:rPr lang="es-ES_tradnl" sz="1000" b="1" dirty="0" smtClean="0">
-                      <a:latin typeface="Helvetica" charset="0"/>
-                      <a:ea typeface="Helvetica" charset="0"/>
-                      <a:cs typeface="Helvetica" charset="0"/>
-                    </a:rPr>
-                    <a:t>Producir Documento</a:t>
-                  </a:r>
-                  <a:endParaRPr lang="es-ES_tradnl" sz="1000" b="1" dirty="0">
-                    <a:latin typeface="Helvetica" charset="0"/>
-                    <a:ea typeface="Helvetica" charset="0"/>
-                    <a:cs typeface="Helvetica" charset="0"/>
-                  </a:endParaRPr>
+                  <a:endParaRPr lang="es-ES_tradnl" sz="1000" dirty="0"/>
                 </a:p>
               </p:txBody>
             </p:sp>
             <p:sp>
               <p:nvSpPr>
-                <p:cNvPr id="11" name="TextBox 10"/>
-                <p:cNvSpPr txBox="1"/>
+                <p:cNvPr id="25" name="Rounded Rectangle 24"/>
+                <p:cNvSpPr/>
                 <p:nvPr/>
               </p:nvSpPr>
               <p:spPr>
                 <a:xfrm>
-                  <a:off x="10016471" y="2664905"/>
-                  <a:ext cx="1719461" cy="272415"/>
+                  <a:off x="6525541" y="2177447"/>
+                  <a:ext cx="1904103" cy="3041528"/>
                 </a:xfrm>
                 <a:prstGeom prst="roundRect">
                   <a:avLst/>
                 </a:prstGeom>
                 <a:solidFill>
-                  <a:schemeClr val="bg1">
-                    <a:lumMod val="85000"/>
+                  <a:schemeClr val="accent4">
+                    <a:lumMod val="40000"/>
+                    <a:lumOff val="60000"/>
                   </a:schemeClr>
                 </a:solidFill>
-                <a:ln w="12700">
-                  <a:solidFill>
-                    <a:schemeClr val="tx1"/>
-                  </a:solidFill>
+                <a:ln w="28575">
+                  <a:noFill/>
                 </a:ln>
               </p:spPr>
+              <p:style>
+                <a:lnRef idx="2">
+                  <a:schemeClr val="accent1">
+                    <a:shade val="50000"/>
+                  </a:schemeClr>
+                </a:lnRef>
+                <a:fillRef idx="1">
+                  <a:schemeClr val="accent1"/>
+                </a:fillRef>
+                <a:effectRef idx="0">
+                  <a:schemeClr val="accent1"/>
+                </a:effectRef>
+                <a:fontRef idx="minor">
+                  <a:schemeClr val="lt1"/>
+                </a:fontRef>
+              </p:style>
               <p:txBody>
-                <a:bodyPr wrap="square" rtlCol="0" anchor="ctr">
-                  <a:spAutoFit/>
-                </a:bodyPr>
-                <a:lstStyle>
-                  <a:defPPr>
-                    <a:defRPr lang="en-US"/>
-                  </a:defPPr>
-                  <a:lvl1pPr algn="ctr">
-                    <a:defRPr sz="1100" b="1">
-                      <a:latin typeface="Helvetica" charset="0"/>
-                      <a:ea typeface="Helvetica" charset="0"/>
-                      <a:cs typeface="Helvetica" charset="0"/>
-                    </a:defRPr>
-                  </a:lvl1pPr>
-                </a:lstStyle>
+                <a:bodyPr rtlCol="0" anchor="ctr"/>
+                <a:lstStyle/>
                 <a:p>
-                  <a:r>
-                    <a:rPr lang="es-ES_tradnl" sz="1000" dirty="0" smtClean="0"/>
-                    <a:t>Brindar interfaz visual</a:t>
-                  </a:r>
+                  <a:pPr algn="ctr"/>
                   <a:endParaRPr lang="es-ES_tradnl" sz="1000" dirty="0"/>
                 </a:p>
               </p:txBody>
             </p:sp>
-          </p:grpSp>
-          <p:grpSp>
-            <p:nvGrpSpPr>
-              <p:cNvPr id="29" name="Group 28"/>
-              <p:cNvGrpSpPr/>
-              <p:nvPr/>
-            </p:nvGrpSpPr>
-            <p:grpSpPr>
-              <a:xfrm>
-                <a:off x="4371690" y="2867155"/>
-                <a:ext cx="1719463" cy="1662113"/>
-                <a:chOff x="5512001" y="2634128"/>
-                <a:chExt cx="1719463" cy="1662113"/>
-              </a:xfrm>
-            </p:grpSpPr>
             <p:sp>
               <p:nvSpPr>
-                <p:cNvPr id="6" name="TextBox 5"/>
-                <p:cNvSpPr txBox="1"/>
+                <p:cNvPr id="24" name="Rounded Rectangle 23"/>
+                <p:cNvSpPr/>
                 <p:nvPr/>
               </p:nvSpPr>
               <p:spPr>
                 <a:xfrm>
-                  <a:off x="5512003" y="2634128"/>
-                  <a:ext cx="1719461" cy="272415"/>
+                  <a:off x="4273307" y="2177447"/>
+                  <a:ext cx="1904103" cy="3041528"/>
                 </a:xfrm>
                 <a:prstGeom prst="roundRect">
                   <a:avLst/>
                 </a:prstGeom>
                 <a:solidFill>
-                  <a:schemeClr val="bg1">
-                    <a:lumMod val="85000"/>
+                  <a:schemeClr val="accent6">
+                    <a:lumMod val="60000"/>
+                    <a:lumOff val="40000"/>
                   </a:schemeClr>
                 </a:solidFill>
-                <a:ln w="12700">
-                  <a:solidFill>
-                    <a:schemeClr val="tx1"/>
-                  </a:solidFill>
+                <a:ln w="28575">
+                  <a:noFill/>
                 </a:ln>
               </p:spPr>
+              <p:style>
+                <a:lnRef idx="2">
+                  <a:schemeClr val="accent1">
+                    <a:shade val="50000"/>
+                  </a:schemeClr>
+                </a:lnRef>
+                <a:fillRef idx="1">
+                  <a:schemeClr val="accent1"/>
+                </a:fillRef>
+                <a:effectRef idx="0">
+                  <a:schemeClr val="accent1"/>
+                </a:effectRef>
+                <a:fontRef idx="minor">
+                  <a:schemeClr val="lt1"/>
+                </a:fontRef>
+              </p:style>
               <p:txBody>
-                <a:bodyPr wrap="square" rtlCol="0" anchor="ctr">
-                  <a:spAutoFit/>
-                </a:bodyPr>
+                <a:bodyPr rtlCol="0" anchor="ctr"/>
                 <a:lstStyle/>
                 <a:p>
                   <a:pPr algn="ctr"/>
-                  <a:r>
-                    <a:rPr lang="es-ES_tradnl" sz="1000" b="1" dirty="0" smtClean="0">
-                      <a:latin typeface="Helvetica" charset="0"/>
-                      <a:ea typeface="Helvetica" charset="0"/>
-                      <a:cs typeface="Helvetica" charset="0"/>
-                    </a:rPr>
-                    <a:t>Conseguir los Datos</a:t>
-                  </a:r>
-                  <a:endParaRPr lang="es-ES_tradnl" sz="1000" b="1" dirty="0">
-                    <a:latin typeface="Helvetica" charset="0"/>
-                    <a:ea typeface="Helvetica" charset="0"/>
-                    <a:cs typeface="Helvetica" charset="0"/>
-                  </a:endParaRPr>
+                  <a:endParaRPr lang="es-ES_tradnl" sz="1000" dirty="0"/>
                 </a:p>
               </p:txBody>
             </p:sp>
             <p:sp>
               <p:nvSpPr>
-                <p:cNvPr id="10" name="TextBox 9"/>
-                <p:cNvSpPr txBox="1"/>
+                <p:cNvPr id="23" name="Rounded Rectangle 22"/>
+                <p:cNvSpPr/>
                 <p:nvPr/>
               </p:nvSpPr>
               <p:spPr>
                 <a:xfrm>
-                  <a:off x="5512001" y="4023826"/>
-                  <a:ext cx="1719461" cy="272415"/>
+                  <a:off x="2027136" y="2177447"/>
+                  <a:ext cx="1904103" cy="2998495"/>
                 </a:xfrm>
                 <a:prstGeom prst="roundRect">
                   <a:avLst/>
                 </a:prstGeom>
                 <a:solidFill>
-                  <a:schemeClr val="bg1">
-                    <a:lumMod val="85000"/>
-                  </a:schemeClr>
+                  <a:schemeClr val="accent2"/>
                 </a:solidFill>
-                <a:ln w="12700">
-                  <a:solidFill>
-                    <a:schemeClr val="tx1"/>
-                  </a:solidFill>
+                <a:ln w="28575">
+                  <a:noFill/>
                 </a:ln>
               </p:spPr>
+              <p:style>
+                <a:lnRef idx="2">
+                  <a:schemeClr val="accent1">
+                    <a:shade val="50000"/>
+                  </a:schemeClr>
+                </a:lnRef>
+                <a:fillRef idx="1">
+                  <a:schemeClr val="accent1"/>
+                </a:fillRef>
+                <a:effectRef idx="0">
+                  <a:schemeClr val="accent1"/>
+                </a:effectRef>
+                <a:fontRef idx="minor">
+                  <a:schemeClr val="lt1"/>
+                </a:fontRef>
+              </p:style>
               <p:txBody>
-                <a:bodyPr wrap="square" rtlCol="0" anchor="ctr">
-                  <a:spAutoFit/>
-                </a:bodyPr>
+                <a:bodyPr rtlCol="0" anchor="ctr"/>
                 <a:lstStyle/>
                 <a:p>
                   <a:pPr algn="ctr"/>
-                  <a:r>
-                    <a:rPr lang="es-ES_tradnl" sz="1000" b="1" dirty="0" smtClean="0">
+                  <a:endParaRPr lang="es-ES_tradnl" sz="1000" dirty="0"/>
+                </a:p>
+              </p:txBody>
+            </p:sp>
+            <p:grpSp>
+              <p:nvGrpSpPr>
+                <p:cNvPr id="28" name="Group 27"/>
+                <p:cNvGrpSpPr/>
+                <p:nvPr/>
+              </p:nvGrpSpPr>
+              <p:grpSpPr>
+                <a:xfrm>
+                  <a:off x="8876160" y="3214579"/>
+                  <a:ext cx="1719461" cy="967264"/>
+                  <a:chOff x="10016471" y="2664905"/>
+                  <a:chExt cx="1719461" cy="967264"/>
+                </a:xfrm>
+              </p:grpSpPr>
+              <p:sp>
+                <p:nvSpPr>
+                  <p:cNvPr id="9" name="TextBox 8"/>
+                  <p:cNvSpPr txBox="1"/>
+                  <p:nvPr/>
+                </p:nvSpPr>
+                <p:spPr>
+                  <a:xfrm>
+                    <a:off x="10016471" y="3359754"/>
+                    <a:ext cx="1719461" cy="272415"/>
+                  </a:xfrm>
+                  <a:prstGeom prst="roundRect">
+                    <a:avLst/>
+                  </a:prstGeom>
+                  <a:solidFill>
+                    <a:schemeClr val="bg1">
+                      <a:lumMod val="85000"/>
+                    </a:schemeClr>
+                  </a:solidFill>
+                  <a:ln w="12700">
+                    <a:solidFill>
+                      <a:schemeClr val="tx1"/>
+                    </a:solidFill>
+                  </a:ln>
+                </p:spPr>
+                <p:txBody>
+                  <a:bodyPr wrap="square" rtlCol="0" anchor="ctr">
+                    <a:spAutoFit/>
+                  </a:bodyPr>
+                  <a:lstStyle/>
+                  <a:p>
+                    <a:pPr algn="ctr"/>
+                    <a:r>
+                      <a:rPr lang="es-ES_tradnl" sz="1000" b="1" dirty="0" smtClean="0">
+                        <a:latin typeface="Helvetica" charset="0"/>
+                        <a:ea typeface="Helvetica" charset="0"/>
+                        <a:cs typeface="Helvetica" charset="0"/>
+                      </a:rPr>
+                      <a:t>Producir Documento</a:t>
+                    </a:r>
+                    <a:endParaRPr lang="es-ES_tradnl" sz="1000" b="1" dirty="0">
                       <a:latin typeface="Helvetica" charset="0"/>
                       <a:ea typeface="Helvetica" charset="0"/>
                       <a:cs typeface="Helvetica" charset="0"/>
-                    </a:rPr>
-                    <a:t>Organizar el archivo</a:t>
-                  </a:r>
-                  <a:endParaRPr lang="es-ES_tradnl" sz="1000" b="1" dirty="0">
-                    <a:latin typeface="Helvetica" charset="0"/>
-                    <a:ea typeface="Helvetica" charset="0"/>
-                    <a:cs typeface="Helvetica" charset="0"/>
-                  </a:endParaRPr>
-                </a:p>
-              </p:txBody>
-            </p:sp>
-            <p:sp>
-              <p:nvSpPr>
-                <p:cNvPr id="13" name="TextBox 12"/>
-                <p:cNvSpPr txBox="1"/>
+                    </a:endParaRPr>
+                  </a:p>
+                </p:txBody>
+              </p:sp>
+              <p:sp>
+                <p:nvSpPr>
+                  <p:cNvPr id="11" name="TextBox 10"/>
+                  <p:cNvSpPr txBox="1"/>
+                  <p:nvPr/>
+                </p:nvSpPr>
+                <p:spPr>
+                  <a:xfrm>
+                    <a:off x="10016471" y="2664905"/>
+                    <a:ext cx="1719461" cy="272415"/>
+                  </a:xfrm>
+                  <a:prstGeom prst="roundRect">
+                    <a:avLst/>
+                  </a:prstGeom>
+                  <a:solidFill>
+                    <a:schemeClr val="bg1">
+                      <a:lumMod val="85000"/>
+                    </a:schemeClr>
+                  </a:solidFill>
+                  <a:ln w="12700">
+                    <a:solidFill>
+                      <a:schemeClr val="tx1"/>
+                    </a:solidFill>
+                  </a:ln>
+                </p:spPr>
+                <p:txBody>
+                  <a:bodyPr wrap="square" rtlCol="0" anchor="ctr">
+                    <a:spAutoFit/>
+                  </a:bodyPr>
+                  <a:lstStyle>
+                    <a:defPPr>
+                      <a:defRPr lang="en-US"/>
+                    </a:defPPr>
+                    <a:lvl1pPr algn="ctr">
+                      <a:defRPr sz="1100" b="1">
+                        <a:latin typeface="Helvetica" charset="0"/>
+                        <a:ea typeface="Helvetica" charset="0"/>
+                        <a:cs typeface="Helvetica" charset="0"/>
+                      </a:defRPr>
+                    </a:lvl1pPr>
+                  </a:lstStyle>
+                  <a:p>
+                    <a:r>
+                      <a:rPr lang="es-ES_tradnl" sz="1000" dirty="0" smtClean="0"/>
+                      <a:t>Brindar interfaz visual</a:t>
+                    </a:r>
+                    <a:endParaRPr lang="es-ES_tradnl" sz="1000" dirty="0"/>
+                  </a:p>
+                </p:txBody>
+              </p:sp>
+            </p:grpSp>
+            <p:grpSp>
+              <p:nvGrpSpPr>
+                <p:cNvPr id="29" name="Group 28"/>
+                <p:cNvGrpSpPr/>
                 <p:nvPr/>
-              </p:nvSpPr>
-              <p:spPr>
+              </p:nvGrpSpPr>
+              <p:grpSpPr>
                 <a:xfrm>
-                  <a:off x="5512002" y="3328977"/>
-                  <a:ext cx="1719461" cy="272415"/>
+                  <a:off x="4371690" y="2867155"/>
+                  <a:ext cx="1719463" cy="1662113"/>
+                  <a:chOff x="5512001" y="2634128"/>
+                  <a:chExt cx="1719463" cy="1662113"/>
                 </a:xfrm>
-                <a:prstGeom prst="roundRect">
-                  <a:avLst/>
-                </a:prstGeom>
-                <a:solidFill>
-                  <a:schemeClr val="bg1">
-                    <a:lumMod val="85000"/>
-                  </a:schemeClr>
-                </a:solidFill>
-                <a:ln w="12700">
+              </p:grpSpPr>
+              <p:sp>
+                <p:nvSpPr>
+                  <p:cNvPr id="6" name="TextBox 5"/>
+                  <p:cNvSpPr txBox="1"/>
+                  <p:nvPr/>
+                </p:nvSpPr>
+                <p:spPr>
+                  <a:xfrm>
+                    <a:off x="5512003" y="2634128"/>
+                    <a:ext cx="1719461" cy="272415"/>
+                  </a:xfrm>
+                  <a:prstGeom prst="roundRect">
+                    <a:avLst/>
+                  </a:prstGeom>
                   <a:solidFill>
-                    <a:schemeClr val="tx1"/>
+                    <a:schemeClr val="bg1">
+                      <a:lumMod val="85000"/>
+                    </a:schemeClr>
                   </a:solidFill>
-                </a:ln>
-              </p:spPr>
-              <p:txBody>
-                <a:bodyPr wrap="square" rtlCol="0" anchor="ctr">
-                  <a:spAutoFit/>
-                </a:bodyPr>
-                <a:lstStyle/>
-                <a:p>
-                  <a:pPr algn="ctr"/>
-                  <a:r>
-                    <a:rPr lang="es-ES_tradnl" sz="1000" b="1" dirty="0" smtClean="0">
+                  <a:ln w="12700">
+                    <a:solidFill>
+                      <a:schemeClr val="tx1"/>
+                    </a:solidFill>
+                  </a:ln>
+                </p:spPr>
+                <p:txBody>
+                  <a:bodyPr wrap="square" rtlCol="0" anchor="ctr">
+                    <a:spAutoFit/>
+                  </a:bodyPr>
+                  <a:lstStyle/>
+                  <a:p>
+                    <a:pPr algn="ctr"/>
+                    <a:r>
+                      <a:rPr lang="es-ES_tradnl" sz="1000" b="1" dirty="0" smtClean="0">
+                        <a:latin typeface="Helvetica" charset="0"/>
+                        <a:ea typeface="Helvetica" charset="0"/>
+                        <a:cs typeface="Helvetica" charset="0"/>
+                      </a:rPr>
+                      <a:t>Conseguir los Datos</a:t>
+                    </a:r>
+                    <a:endParaRPr lang="es-ES_tradnl" sz="1000" b="1" dirty="0">
                       <a:latin typeface="Helvetica" charset="0"/>
                       <a:ea typeface="Helvetica" charset="0"/>
                       <a:cs typeface="Helvetica" charset="0"/>
-                    </a:rPr>
-                    <a:t>Preparar los Datos</a:t>
-                  </a:r>
-                  <a:endParaRPr lang="es-ES_tradnl" sz="1000" b="1" dirty="0">
-                    <a:latin typeface="Helvetica" charset="0"/>
-                    <a:ea typeface="Helvetica" charset="0"/>
-                    <a:cs typeface="Helvetica" charset="0"/>
-                  </a:endParaRPr>
-                </a:p>
-              </p:txBody>
-            </p:sp>
-          </p:grpSp>
-          <p:grpSp>
-            <p:nvGrpSpPr>
-              <p:cNvPr id="27" name="Group 26"/>
-              <p:cNvGrpSpPr/>
-              <p:nvPr/>
-            </p:nvGrpSpPr>
-            <p:grpSpPr>
-              <a:xfrm>
-                <a:off x="6623924" y="2519730"/>
-                <a:ext cx="1719461" cy="2356963"/>
-                <a:chOff x="7764235" y="2634128"/>
-                <a:chExt cx="1719461" cy="2356963"/>
-              </a:xfrm>
-            </p:grpSpPr>
-            <p:sp>
-              <p:nvSpPr>
-                <p:cNvPr id="8" name="TextBox 7"/>
-                <p:cNvSpPr txBox="1"/>
-                <p:nvPr/>
-              </p:nvSpPr>
-              <p:spPr>
-                <a:xfrm>
-                  <a:off x="7764235" y="2634128"/>
-                  <a:ext cx="1719461" cy="272415"/>
-                </a:xfrm>
-                <a:prstGeom prst="roundRect">
-                  <a:avLst/>
-                </a:prstGeom>
-                <a:solidFill>
-                  <a:schemeClr val="bg1">
-                    <a:lumMod val="85000"/>
-                  </a:schemeClr>
-                </a:solidFill>
-                <a:ln w="12700">
+                    </a:endParaRPr>
+                  </a:p>
+                </p:txBody>
+              </p:sp>
+              <p:sp>
+                <p:nvSpPr>
+                  <p:cNvPr id="10" name="TextBox 9"/>
+                  <p:cNvSpPr txBox="1"/>
+                  <p:nvPr/>
+                </p:nvSpPr>
+                <p:spPr>
+                  <a:xfrm>
+                    <a:off x="5512001" y="4023826"/>
+                    <a:ext cx="1719461" cy="272415"/>
+                  </a:xfrm>
+                  <a:prstGeom prst="roundRect">
+                    <a:avLst/>
+                  </a:prstGeom>
                   <a:solidFill>
-                    <a:schemeClr val="tx1"/>
+                    <a:schemeClr val="bg1">
+                      <a:lumMod val="85000"/>
+                    </a:schemeClr>
                   </a:solidFill>
-                </a:ln>
-              </p:spPr>
-              <p:txBody>
-                <a:bodyPr wrap="square" rtlCol="0" anchor="ctr">
-                  <a:spAutoFit/>
-                </a:bodyPr>
-                <a:lstStyle/>
-                <a:p>
-                  <a:pPr algn="ctr"/>
-                  <a:r>
-                    <a:rPr lang="es-ES_tradnl" sz="1000" b="1" dirty="0" smtClean="0">
+                  <a:ln w="12700">
+                    <a:solidFill>
+                      <a:schemeClr val="tx1"/>
+                    </a:solidFill>
+                  </a:ln>
+                </p:spPr>
+                <p:txBody>
+                  <a:bodyPr wrap="square" rtlCol="0" anchor="ctr">
+                    <a:spAutoFit/>
+                  </a:bodyPr>
+                  <a:lstStyle/>
+                  <a:p>
+                    <a:pPr algn="ctr"/>
+                    <a:r>
+                      <a:rPr lang="es-ES_tradnl" sz="1000" b="1" dirty="0" smtClean="0">
+                        <a:latin typeface="Helvetica" charset="0"/>
+                        <a:ea typeface="Helvetica" charset="0"/>
+                        <a:cs typeface="Helvetica" charset="0"/>
+                      </a:rPr>
+                      <a:t>Organizar el archivo</a:t>
+                    </a:r>
+                    <a:endParaRPr lang="es-ES_tradnl" sz="1000" b="1" dirty="0">
                       <a:latin typeface="Helvetica" charset="0"/>
                       <a:ea typeface="Helvetica" charset="0"/>
                       <a:cs typeface="Helvetica" charset="0"/>
-                    </a:rPr>
-                    <a:t>Probar modelos</a:t>
-                  </a:r>
-                  <a:endParaRPr lang="es-ES_tradnl" sz="1000" b="1" dirty="0">
-                    <a:latin typeface="Helvetica" charset="0"/>
-                    <a:ea typeface="Helvetica" charset="0"/>
-                    <a:cs typeface="Helvetica" charset="0"/>
-                  </a:endParaRPr>
-                </a:p>
-              </p:txBody>
-            </p:sp>
-            <p:sp>
-              <p:nvSpPr>
-                <p:cNvPr id="15" name="TextBox 14"/>
-                <p:cNvSpPr txBox="1"/>
-                <p:nvPr/>
-              </p:nvSpPr>
-              <p:spPr>
-                <a:xfrm>
-                  <a:off x="7764235" y="3328977"/>
-                  <a:ext cx="1719461" cy="272415"/>
-                </a:xfrm>
-                <a:prstGeom prst="roundRect">
-                  <a:avLst/>
-                </a:prstGeom>
-                <a:solidFill>
-                  <a:schemeClr val="bg1">
-                    <a:lumMod val="85000"/>
-                  </a:schemeClr>
-                </a:solidFill>
-                <a:ln w="12700">
+                    </a:endParaRPr>
+                  </a:p>
+                </p:txBody>
+              </p:sp>
+              <p:sp>
+                <p:nvSpPr>
+                  <p:cNvPr id="13" name="TextBox 12"/>
+                  <p:cNvSpPr txBox="1"/>
+                  <p:nvPr/>
+                </p:nvSpPr>
+                <p:spPr>
+                  <a:xfrm>
+                    <a:off x="5512002" y="3328977"/>
+                    <a:ext cx="1719461" cy="272415"/>
+                  </a:xfrm>
+                  <a:prstGeom prst="roundRect">
+                    <a:avLst/>
+                  </a:prstGeom>
                   <a:solidFill>
-                    <a:schemeClr val="tx1"/>
+                    <a:schemeClr val="bg1">
+                      <a:lumMod val="85000"/>
+                    </a:schemeClr>
                   </a:solidFill>
-                </a:ln>
-              </p:spPr>
-              <p:txBody>
-                <a:bodyPr wrap="square" rtlCol="0" anchor="ctr">
-                  <a:spAutoFit/>
-                </a:bodyPr>
-                <a:lstStyle/>
-                <a:p>
-                  <a:pPr algn="ctr"/>
-                  <a:r>
-                    <a:rPr lang="es-ES_tradnl" sz="1000" b="1" dirty="0" smtClean="0">
+                  <a:ln w="12700">
+                    <a:solidFill>
+                      <a:schemeClr val="tx1"/>
+                    </a:solidFill>
+                  </a:ln>
+                </p:spPr>
+                <p:txBody>
+                  <a:bodyPr wrap="square" rtlCol="0" anchor="ctr">
+                    <a:spAutoFit/>
+                  </a:bodyPr>
+                  <a:lstStyle/>
+                  <a:p>
+                    <a:pPr algn="ctr"/>
+                    <a:r>
+                      <a:rPr lang="es-ES_tradnl" sz="1000" b="1" dirty="0" smtClean="0">
+                        <a:latin typeface="Helvetica" charset="0"/>
+                        <a:ea typeface="Helvetica" charset="0"/>
+                        <a:cs typeface="Helvetica" charset="0"/>
+                      </a:rPr>
+                      <a:t>Preparar los Datos</a:t>
+                    </a:r>
+                    <a:endParaRPr lang="es-ES_tradnl" sz="1000" b="1" dirty="0">
                       <a:latin typeface="Helvetica" charset="0"/>
                       <a:ea typeface="Helvetica" charset="0"/>
                       <a:cs typeface="Helvetica" charset="0"/>
-                    </a:rPr>
-                    <a:t>Actualizar estadísticos</a:t>
-                  </a:r>
-                  <a:endParaRPr lang="es-ES_tradnl" sz="1000" b="1" dirty="0">
-                    <a:latin typeface="Helvetica" charset="0"/>
-                    <a:ea typeface="Helvetica" charset="0"/>
-                    <a:cs typeface="Helvetica" charset="0"/>
-                  </a:endParaRPr>
-                </a:p>
-              </p:txBody>
-            </p:sp>
-            <p:sp>
-              <p:nvSpPr>
-                <p:cNvPr id="16" name="TextBox 15"/>
-                <p:cNvSpPr txBox="1"/>
+                    </a:endParaRPr>
+                  </a:p>
+                </p:txBody>
+              </p:sp>
+            </p:grpSp>
+            <p:grpSp>
+              <p:nvGrpSpPr>
+                <p:cNvPr id="27" name="Group 26"/>
+                <p:cNvGrpSpPr/>
                 <p:nvPr/>
-              </p:nvSpPr>
-              <p:spPr>
+              </p:nvGrpSpPr>
+              <p:grpSpPr>
                 <a:xfrm>
-                  <a:off x="7764235" y="4023826"/>
-                  <a:ext cx="1719461" cy="272415"/>
+                  <a:off x="6623924" y="2519730"/>
+                  <a:ext cx="1719461" cy="2356963"/>
+                  <a:chOff x="7764235" y="2634128"/>
+                  <a:chExt cx="1719461" cy="2356963"/>
                 </a:xfrm>
-                <a:prstGeom prst="roundRect">
-                  <a:avLst/>
-                </a:prstGeom>
-                <a:solidFill>
-                  <a:schemeClr val="bg1">
-                    <a:lumMod val="85000"/>
-                  </a:schemeClr>
-                </a:solidFill>
-                <a:ln w="12700">
+              </p:grpSpPr>
+              <p:sp>
+                <p:nvSpPr>
+                  <p:cNvPr id="8" name="TextBox 7"/>
+                  <p:cNvSpPr txBox="1"/>
+                  <p:nvPr/>
+                </p:nvSpPr>
+                <p:spPr>
+                  <a:xfrm>
+                    <a:off x="7764235" y="2634128"/>
+                    <a:ext cx="1719461" cy="272415"/>
+                  </a:xfrm>
+                  <a:prstGeom prst="roundRect">
+                    <a:avLst/>
+                  </a:prstGeom>
                   <a:solidFill>
-                    <a:schemeClr val="tx1"/>
+                    <a:schemeClr val="bg1">
+                      <a:lumMod val="85000"/>
+                    </a:schemeClr>
                   </a:solidFill>
-                </a:ln>
-              </p:spPr>
-              <p:txBody>
-                <a:bodyPr wrap="square" rtlCol="0" anchor="ctr">
-                  <a:spAutoFit/>
-                </a:bodyPr>
-                <a:lstStyle/>
-                <a:p>
-                  <a:pPr algn="ctr"/>
-                  <a:r>
-                    <a:rPr lang="es-ES_tradnl" sz="1000" b="1" dirty="0" smtClean="0">
+                  <a:ln w="12700">
+                    <a:solidFill>
+                      <a:schemeClr val="tx1"/>
+                    </a:solidFill>
+                  </a:ln>
+                </p:spPr>
+                <p:txBody>
+                  <a:bodyPr wrap="square" rtlCol="0" anchor="ctr">
+                    <a:spAutoFit/>
+                  </a:bodyPr>
+                  <a:lstStyle/>
+                  <a:p>
+                    <a:pPr algn="ctr"/>
+                    <a:r>
+                      <a:rPr lang="es-ES_tradnl" sz="1000" b="1" dirty="0" smtClean="0">
+                        <a:latin typeface="Helvetica" charset="0"/>
+                        <a:ea typeface="Helvetica" charset="0"/>
+                        <a:cs typeface="Helvetica" charset="0"/>
+                      </a:rPr>
+                      <a:t>Probar modelos</a:t>
+                    </a:r>
+                    <a:endParaRPr lang="es-ES_tradnl" sz="1000" b="1" dirty="0">
                       <a:latin typeface="Helvetica" charset="0"/>
                       <a:ea typeface="Helvetica" charset="0"/>
                       <a:cs typeface="Helvetica" charset="0"/>
-                    </a:rPr>
-                    <a:t>Actualizar tablas</a:t>
-                  </a:r>
-                  <a:endParaRPr lang="es-ES_tradnl" sz="1000" b="1" dirty="0">
-                    <a:latin typeface="Helvetica" charset="0"/>
-                    <a:ea typeface="Helvetica" charset="0"/>
-                    <a:cs typeface="Helvetica" charset="0"/>
-                  </a:endParaRPr>
-                </a:p>
-              </p:txBody>
-            </p:sp>
-            <p:sp>
-              <p:nvSpPr>
-                <p:cNvPr id="18" name="TextBox 17"/>
-                <p:cNvSpPr txBox="1"/>
-                <p:nvPr/>
-              </p:nvSpPr>
-              <p:spPr>
-                <a:xfrm>
-                  <a:off x="7764235" y="4718676"/>
-                  <a:ext cx="1719461" cy="272415"/>
-                </a:xfrm>
-                <a:prstGeom prst="roundRect">
-                  <a:avLst/>
-                </a:prstGeom>
-                <a:solidFill>
-                  <a:schemeClr val="bg1">
-                    <a:lumMod val="85000"/>
-                  </a:schemeClr>
-                </a:solidFill>
-                <a:ln w="12700">
+                    </a:endParaRPr>
+                  </a:p>
+                </p:txBody>
+              </p:sp>
+              <p:sp>
+                <p:nvSpPr>
+                  <p:cNvPr id="15" name="TextBox 14"/>
+                  <p:cNvSpPr txBox="1"/>
+                  <p:nvPr/>
+                </p:nvSpPr>
+                <p:spPr>
+                  <a:xfrm>
+                    <a:off x="7764235" y="3328977"/>
+                    <a:ext cx="1719461" cy="272415"/>
+                  </a:xfrm>
+                  <a:prstGeom prst="roundRect">
+                    <a:avLst/>
+                  </a:prstGeom>
                   <a:solidFill>
-                    <a:schemeClr val="tx1"/>
+                    <a:schemeClr val="bg1">
+                      <a:lumMod val="85000"/>
+                    </a:schemeClr>
                   </a:solidFill>
-                </a:ln>
-              </p:spPr>
-              <p:txBody>
-                <a:bodyPr wrap="square" rtlCol="0" anchor="ctr">
-                  <a:spAutoFit/>
-                </a:bodyPr>
-                <a:lstStyle/>
-                <a:p>
-                  <a:pPr algn="ctr"/>
-                  <a:r>
-                    <a:rPr lang="es-ES_tradnl" sz="1000" b="1" dirty="0" smtClean="0">
+                  <a:ln w="12700">
+                    <a:solidFill>
+                      <a:schemeClr val="tx1"/>
+                    </a:solidFill>
+                  </a:ln>
+                </p:spPr>
+                <p:txBody>
+                  <a:bodyPr wrap="square" rtlCol="0" anchor="ctr">
+                    <a:spAutoFit/>
+                  </a:bodyPr>
+                  <a:lstStyle/>
+                  <a:p>
+                    <a:pPr algn="ctr"/>
+                    <a:r>
+                      <a:rPr lang="es-ES_tradnl" sz="1000" b="1" dirty="0" smtClean="0">
+                        <a:latin typeface="Helvetica" charset="0"/>
+                        <a:ea typeface="Helvetica" charset="0"/>
+                        <a:cs typeface="Helvetica" charset="0"/>
+                      </a:rPr>
+                      <a:t>Actualizar estadísticos</a:t>
+                    </a:r>
+                    <a:endParaRPr lang="es-ES_tradnl" sz="1000" b="1" dirty="0">
                       <a:latin typeface="Helvetica" charset="0"/>
                       <a:ea typeface="Helvetica" charset="0"/>
                       <a:cs typeface="Helvetica" charset="0"/>
-                    </a:rPr>
-                    <a:t>Actualizar gráficos</a:t>
-                  </a:r>
-                  <a:endParaRPr lang="es-ES_tradnl" sz="1000" b="1" dirty="0">
-                    <a:latin typeface="Helvetica" charset="0"/>
-                    <a:ea typeface="Helvetica" charset="0"/>
-                    <a:cs typeface="Helvetica" charset="0"/>
-                  </a:endParaRPr>
-                </a:p>
-              </p:txBody>
-            </p:sp>
-          </p:grpSp>
-          <p:grpSp>
-            <p:nvGrpSpPr>
-              <p:cNvPr id="30" name="Group 29"/>
-              <p:cNvGrpSpPr/>
-              <p:nvPr/>
-            </p:nvGrpSpPr>
-            <p:grpSpPr>
-              <a:xfrm>
-                <a:off x="2119458" y="3193062"/>
-                <a:ext cx="1719461" cy="967264"/>
-                <a:chOff x="3259769" y="2634128"/>
-                <a:chExt cx="1719461" cy="967264"/>
-              </a:xfrm>
-            </p:grpSpPr>
-            <p:sp>
-              <p:nvSpPr>
-                <p:cNvPr id="7" name="TextBox 6"/>
-                <p:cNvSpPr txBox="1"/>
-                <p:nvPr/>
-              </p:nvSpPr>
-              <p:spPr>
-                <a:xfrm>
-                  <a:off x="3259769" y="2634128"/>
-                  <a:ext cx="1719461" cy="272415"/>
-                </a:xfrm>
-                <a:prstGeom prst="roundRect">
-                  <a:avLst/>
-                </a:prstGeom>
-                <a:solidFill>
-                  <a:schemeClr val="bg1">
-                    <a:lumMod val="85000"/>
-                  </a:schemeClr>
-                </a:solidFill>
-                <a:ln w="12700">
+                    </a:endParaRPr>
+                  </a:p>
+                </p:txBody>
+              </p:sp>
+              <p:sp>
+                <p:nvSpPr>
+                  <p:cNvPr id="16" name="TextBox 15"/>
+                  <p:cNvSpPr txBox="1"/>
+                  <p:nvPr/>
+                </p:nvSpPr>
+                <p:spPr>
+                  <a:xfrm>
+                    <a:off x="7764235" y="4023826"/>
+                    <a:ext cx="1719461" cy="272415"/>
+                  </a:xfrm>
+                  <a:prstGeom prst="roundRect">
+                    <a:avLst/>
+                  </a:prstGeom>
                   <a:solidFill>
-                    <a:schemeClr val="tx1"/>
+                    <a:schemeClr val="bg1">
+                      <a:lumMod val="85000"/>
+                    </a:schemeClr>
                   </a:solidFill>
-                </a:ln>
-              </p:spPr>
-              <p:txBody>
-                <a:bodyPr wrap="square" rtlCol="0" anchor="ctr">
-                  <a:spAutoFit/>
-                </a:bodyPr>
-                <a:lstStyle/>
-                <a:p>
-                  <a:pPr algn="ctr"/>
-                  <a:r>
-                    <a:rPr lang="es-ES_tradnl" sz="1000" b="1" dirty="0" smtClean="0">
+                  <a:ln w="12700">
+                    <a:solidFill>
+                      <a:schemeClr val="tx1"/>
+                    </a:solidFill>
+                  </a:ln>
+                </p:spPr>
+                <p:txBody>
+                  <a:bodyPr wrap="square" rtlCol="0" anchor="ctr">
+                    <a:spAutoFit/>
+                  </a:bodyPr>
+                  <a:lstStyle/>
+                  <a:p>
+                    <a:pPr algn="ctr"/>
+                    <a:r>
+                      <a:rPr lang="es-ES_tradnl" sz="1000" b="1" dirty="0" smtClean="0">
+                        <a:latin typeface="Helvetica" charset="0"/>
+                        <a:ea typeface="Helvetica" charset="0"/>
+                        <a:cs typeface="Helvetica" charset="0"/>
+                      </a:rPr>
+                      <a:t>Actualizar tablas</a:t>
+                    </a:r>
+                    <a:endParaRPr lang="es-ES_tradnl" sz="1000" b="1" dirty="0">
                       <a:latin typeface="Helvetica" charset="0"/>
                       <a:ea typeface="Helvetica" charset="0"/>
                       <a:cs typeface="Helvetica" charset="0"/>
-                    </a:rPr>
-                    <a:t>Registrar bibliografía</a:t>
-                  </a:r>
-                  <a:endParaRPr lang="es-ES_tradnl" sz="1000" b="1" dirty="0">
-                    <a:latin typeface="Helvetica" charset="0"/>
-                    <a:ea typeface="Helvetica" charset="0"/>
-                    <a:cs typeface="Helvetica" charset="0"/>
-                  </a:endParaRPr>
-                </a:p>
-              </p:txBody>
-            </p:sp>
-            <p:sp>
-              <p:nvSpPr>
-                <p:cNvPr id="22" name="TextBox 21"/>
-                <p:cNvSpPr txBox="1"/>
-                <p:nvPr/>
-              </p:nvSpPr>
-              <p:spPr>
-                <a:xfrm>
-                  <a:off x="3259769" y="3328977"/>
-                  <a:ext cx="1719461" cy="272415"/>
-                </a:xfrm>
-                <a:prstGeom prst="roundRect">
-                  <a:avLst/>
-                </a:prstGeom>
-                <a:solidFill>
-                  <a:schemeClr val="bg1">
-                    <a:lumMod val="85000"/>
-                  </a:schemeClr>
-                </a:solidFill>
-                <a:ln w="12700">
+                    </a:endParaRPr>
+                  </a:p>
+                </p:txBody>
+              </p:sp>
+              <p:sp>
+                <p:nvSpPr>
+                  <p:cNvPr id="18" name="TextBox 17"/>
+                  <p:cNvSpPr txBox="1"/>
+                  <p:nvPr/>
+                </p:nvSpPr>
+                <p:spPr>
+                  <a:xfrm>
+                    <a:off x="7764235" y="4718676"/>
+                    <a:ext cx="1719461" cy="272415"/>
+                  </a:xfrm>
+                  <a:prstGeom prst="roundRect">
+                    <a:avLst/>
+                  </a:prstGeom>
                   <a:solidFill>
-                    <a:schemeClr val="tx1"/>
+                    <a:schemeClr val="bg1">
+                      <a:lumMod val="85000"/>
+                    </a:schemeClr>
                   </a:solidFill>
-                </a:ln>
-              </p:spPr>
-              <p:txBody>
-                <a:bodyPr wrap="square" rtlCol="0" anchor="ctr">
-                  <a:spAutoFit/>
-                </a:bodyPr>
-                <a:lstStyle/>
-                <a:p>
-                  <a:pPr algn="ctr"/>
-                  <a:r>
-                    <a:rPr lang="es-ES_tradnl" sz="1000" b="1" dirty="0" smtClean="0">
+                  <a:ln w="12700">
+                    <a:solidFill>
+                      <a:schemeClr val="tx1"/>
+                    </a:solidFill>
+                  </a:ln>
+                </p:spPr>
+                <p:txBody>
+                  <a:bodyPr wrap="square" rtlCol="0" anchor="ctr">
+                    <a:spAutoFit/>
+                  </a:bodyPr>
+                  <a:lstStyle/>
+                  <a:p>
+                    <a:pPr algn="ctr"/>
+                    <a:r>
+                      <a:rPr lang="es-ES_tradnl" sz="1000" b="1" dirty="0" smtClean="0">
+                        <a:latin typeface="Helvetica" charset="0"/>
+                        <a:ea typeface="Helvetica" charset="0"/>
+                        <a:cs typeface="Helvetica" charset="0"/>
+                      </a:rPr>
+                      <a:t>Actualizar gráficos</a:t>
+                    </a:r>
+                    <a:endParaRPr lang="es-ES_tradnl" sz="1000" b="1" dirty="0">
                       <a:latin typeface="Helvetica" charset="0"/>
                       <a:ea typeface="Helvetica" charset="0"/>
                       <a:cs typeface="Helvetica" charset="0"/>
-                    </a:rPr>
-                    <a:t>Incluir bibliografía</a:t>
-                  </a:r>
-                  <a:endParaRPr lang="es-ES_tradnl" sz="1000" b="1" dirty="0">
-                    <a:latin typeface="Helvetica" charset="0"/>
-                    <a:ea typeface="Helvetica" charset="0"/>
-                    <a:cs typeface="Helvetica" charset="0"/>
-                  </a:endParaRPr>
-                </a:p>
-              </p:txBody>
-            </p:sp>
+                    </a:endParaRPr>
+                  </a:p>
+                </p:txBody>
+              </p:sp>
+            </p:grpSp>
+            <p:grpSp>
+              <p:nvGrpSpPr>
+                <p:cNvPr id="30" name="Group 29"/>
+                <p:cNvGrpSpPr/>
+                <p:nvPr/>
+              </p:nvGrpSpPr>
+              <p:grpSpPr>
+                <a:xfrm>
+                  <a:off x="2119458" y="3193062"/>
+                  <a:ext cx="1719461" cy="967264"/>
+                  <a:chOff x="3259769" y="2634128"/>
+                  <a:chExt cx="1719461" cy="967264"/>
+                </a:xfrm>
+              </p:grpSpPr>
+              <p:sp>
+                <p:nvSpPr>
+                  <p:cNvPr id="7" name="TextBox 6"/>
+                  <p:cNvSpPr txBox="1"/>
+                  <p:nvPr/>
+                </p:nvSpPr>
+                <p:spPr>
+                  <a:xfrm>
+                    <a:off x="3259769" y="2634128"/>
+                    <a:ext cx="1719461" cy="272415"/>
+                  </a:xfrm>
+                  <a:prstGeom prst="roundRect">
+                    <a:avLst/>
+                  </a:prstGeom>
+                  <a:solidFill>
+                    <a:schemeClr val="bg1">
+                      <a:lumMod val="85000"/>
+                    </a:schemeClr>
+                  </a:solidFill>
+                  <a:ln w="12700">
+                    <a:solidFill>
+                      <a:schemeClr val="tx1"/>
+                    </a:solidFill>
+                  </a:ln>
+                </p:spPr>
+                <p:txBody>
+                  <a:bodyPr wrap="square" rtlCol="0" anchor="ctr">
+                    <a:spAutoFit/>
+                  </a:bodyPr>
+                  <a:lstStyle/>
+                  <a:p>
+                    <a:pPr algn="ctr"/>
+                    <a:r>
+                      <a:rPr lang="es-ES_tradnl" sz="1000" b="1" dirty="0" smtClean="0">
+                        <a:latin typeface="Helvetica" charset="0"/>
+                        <a:ea typeface="Helvetica" charset="0"/>
+                        <a:cs typeface="Helvetica" charset="0"/>
+                      </a:rPr>
+                      <a:t>Registrar bibliografía</a:t>
+                    </a:r>
+                    <a:endParaRPr lang="es-ES_tradnl" sz="1000" b="1" dirty="0">
+                      <a:latin typeface="Helvetica" charset="0"/>
+                      <a:ea typeface="Helvetica" charset="0"/>
+                      <a:cs typeface="Helvetica" charset="0"/>
+                    </a:endParaRPr>
+                  </a:p>
+                </p:txBody>
+              </p:sp>
+              <p:sp>
+                <p:nvSpPr>
+                  <p:cNvPr id="22" name="TextBox 21"/>
+                  <p:cNvSpPr txBox="1"/>
+                  <p:nvPr/>
+                </p:nvSpPr>
+                <p:spPr>
+                  <a:xfrm>
+                    <a:off x="3259769" y="3328977"/>
+                    <a:ext cx="1719461" cy="272415"/>
+                  </a:xfrm>
+                  <a:prstGeom prst="roundRect">
+                    <a:avLst/>
+                  </a:prstGeom>
+                  <a:solidFill>
+                    <a:schemeClr val="bg1">
+                      <a:lumMod val="85000"/>
+                    </a:schemeClr>
+                  </a:solidFill>
+                  <a:ln w="12700">
+                    <a:solidFill>
+                      <a:schemeClr val="tx1"/>
+                    </a:solidFill>
+                  </a:ln>
+                </p:spPr>
+                <p:txBody>
+                  <a:bodyPr wrap="square" rtlCol="0" anchor="ctr">
+                    <a:spAutoFit/>
+                  </a:bodyPr>
+                  <a:lstStyle/>
+                  <a:p>
+                    <a:pPr algn="ctr"/>
+                    <a:r>
+                      <a:rPr lang="es-ES_tradnl" sz="1000" b="1" dirty="0" smtClean="0">
+                        <a:latin typeface="Helvetica" charset="0"/>
+                        <a:ea typeface="Helvetica" charset="0"/>
+                        <a:cs typeface="Helvetica" charset="0"/>
+                      </a:rPr>
+                      <a:t>Incluir bibliografía</a:t>
+                    </a:r>
+                    <a:endParaRPr lang="es-ES_tradnl" sz="1000" b="1" dirty="0">
+                      <a:latin typeface="Helvetica" charset="0"/>
+                      <a:ea typeface="Helvetica" charset="0"/>
+                      <a:cs typeface="Helvetica" charset="0"/>
+                    </a:endParaRPr>
+                  </a:p>
+                </p:txBody>
+              </p:sp>
+            </p:grpSp>
+            <p:cxnSp>
+              <p:nvCxnSpPr>
+                <p:cNvPr id="34" name="Elbow Connector 33"/>
+                <p:cNvCxnSpPr>
+                  <a:stCxn id="23" idx="2"/>
+                  <a:endCxn id="26" idx="2"/>
+                </p:cNvCxnSpPr>
+                <p:nvPr/>
+              </p:nvCxnSpPr>
+              <p:spPr>
+                <a:xfrm rot="16200000" flipH="1">
+                  <a:off x="6336023" y="1819107"/>
+                  <a:ext cx="43033" cy="6756702"/>
+                </a:xfrm>
+                <a:prstGeom prst="bentConnector3">
+                  <a:avLst>
+                    <a:gd name="adj1" fmla="val 631220"/>
+                  </a:avLst>
+                </a:prstGeom>
+                <a:ln w="28575"/>
+              </p:spPr>
+              <p:style>
+                <a:lnRef idx="1">
+                  <a:schemeClr val="accent1"/>
+                </a:lnRef>
+                <a:fillRef idx="0">
+                  <a:schemeClr val="accent1"/>
+                </a:fillRef>
+                <a:effectRef idx="0">
+                  <a:schemeClr val="accent1"/>
+                </a:effectRef>
+                <a:fontRef idx="minor">
+                  <a:schemeClr val="tx1"/>
+                </a:fontRef>
+              </p:style>
+            </p:cxnSp>
+            <p:cxnSp>
+              <p:nvCxnSpPr>
+                <p:cNvPr id="35" name="Elbow Connector 34"/>
+                <p:cNvCxnSpPr>
+                  <a:stCxn id="25" idx="2"/>
+                  <a:endCxn id="24" idx="2"/>
+                </p:cNvCxnSpPr>
+                <p:nvPr/>
+              </p:nvCxnSpPr>
+              <p:spPr>
+                <a:xfrm rot="5400000">
+                  <a:off x="6351476" y="4092858"/>
+                  <a:ext cx="12700" cy="2252234"/>
+                </a:xfrm>
+                <a:prstGeom prst="bentConnector3">
+                  <a:avLst>
+                    <a:gd name="adj1" fmla="val 1800000"/>
+                  </a:avLst>
+                </a:prstGeom>
+                <a:ln w="28575"/>
+              </p:spPr>
+              <p:style>
+                <a:lnRef idx="1">
+                  <a:schemeClr val="accent1"/>
+                </a:lnRef>
+                <a:fillRef idx="0">
+                  <a:schemeClr val="accent1"/>
+                </a:fillRef>
+                <a:effectRef idx="0">
+                  <a:schemeClr val="accent1"/>
+                </a:effectRef>
+                <a:fontRef idx="minor">
+                  <a:schemeClr val="tx1"/>
+                </a:fontRef>
+              </p:style>
+            </p:cxnSp>
           </p:grpSp>
-          <p:cxnSp>
-            <p:nvCxnSpPr>
-              <p:cNvPr id="34" name="Elbow Connector 33"/>
-              <p:cNvCxnSpPr>
-                <a:stCxn id="23" idx="2"/>
-                <a:endCxn id="26" idx="2"/>
-              </p:cNvCxnSpPr>
-              <p:nvPr/>
-            </p:nvCxnSpPr>
-            <p:spPr>
-              <a:xfrm rot="16200000" flipH="1">
-                <a:off x="6336023" y="1819107"/>
-                <a:ext cx="43033" cy="6756702"/>
-              </a:xfrm>
-              <a:prstGeom prst="bentConnector3">
-                <a:avLst>
-                  <a:gd name="adj1" fmla="val 631220"/>
-                </a:avLst>
-              </a:prstGeom>
-              <a:ln w="28575"/>
-            </p:spPr>
-            <p:style>
-              <a:lnRef idx="1">
-                <a:schemeClr val="accent1"/>
-              </a:lnRef>
-              <a:fillRef idx="0">
-                <a:schemeClr val="accent1"/>
-              </a:fillRef>
-              <a:effectRef idx="0">
-                <a:schemeClr val="accent1"/>
-              </a:effectRef>
-              <a:fontRef idx="minor">
-                <a:schemeClr val="tx1"/>
-              </a:fontRef>
-            </p:style>
-          </p:cxnSp>
-          <p:cxnSp>
-            <p:nvCxnSpPr>
-              <p:cNvPr id="35" name="Elbow Connector 34"/>
-              <p:cNvCxnSpPr>
-                <a:stCxn id="25" idx="2"/>
-                <a:endCxn id="24" idx="2"/>
-              </p:cNvCxnSpPr>
-              <p:nvPr/>
-            </p:nvCxnSpPr>
-            <p:spPr>
-              <a:xfrm rot="5400000">
-                <a:off x="6351476" y="4092858"/>
-                <a:ext cx="12700" cy="2252234"/>
-              </a:xfrm>
-              <a:prstGeom prst="bentConnector3">
-                <a:avLst>
-                  <a:gd name="adj1" fmla="val 1800000"/>
-                </a:avLst>
-              </a:prstGeom>
-              <a:ln w="28575"/>
-            </p:spPr>
-            <p:style>
-              <a:lnRef idx="1">
-                <a:schemeClr val="accent1"/>
-              </a:lnRef>
-              <a:fillRef idx="0">
-                <a:schemeClr val="accent1"/>
-              </a:fillRef>
-              <a:effectRef idx="0">
-                <a:schemeClr val="accent1"/>
-              </a:effectRef>
-              <a:fontRef idx="minor">
-                <a:schemeClr val="tx1"/>
-              </a:fontRef>
-            </p:style>
-          </p:cxnSp>
         </p:grpSp>
+        <p:cxnSp>
+          <p:nvCxnSpPr>
+            <p:cNvPr id="51" name="Straight Connector 50"/>
+            <p:cNvCxnSpPr>
+              <a:stCxn id="12" idx="2"/>
+              <a:endCxn id="45" idx="0"/>
+            </p:cNvCxnSpPr>
+            <p:nvPr/>
+          </p:nvCxnSpPr>
+          <p:spPr>
+            <a:xfrm>
+              <a:off x="6371734" y="1818043"/>
+              <a:ext cx="0" cy="247425"/>
+            </a:xfrm>
+            <a:prstGeom prst="line">
+              <a:avLst/>
+            </a:prstGeom>
+            <a:ln w="28575"/>
+          </p:spPr>
+          <p:style>
+            <a:lnRef idx="1">
+              <a:schemeClr val="accent1"/>
+            </a:lnRef>
+            <a:fillRef idx="0">
+              <a:schemeClr val="accent1"/>
+            </a:fillRef>
+            <a:effectRef idx="0">
+              <a:schemeClr val="accent1"/>
+            </a:effectRef>
+            <a:fontRef idx="minor">
+              <a:schemeClr val="tx1"/>
+            </a:fontRef>
+          </p:style>
+        </p:cxnSp>
       </p:grpSp>
-      <p:cxnSp>
-        <p:nvCxnSpPr>
-          <p:cNvPr id="41" name="Elbow Connector 40"/>
-          <p:cNvCxnSpPr/>
+      <p:sp>
+        <p:nvSpPr>
+          <p:cNvPr id="53" name="TextBox 52"/>
+          <p:cNvSpPr txBox="1"/>
           <p:nvPr/>
-        </p:nvCxnSpPr>
-        <p:spPr>
-          <a:xfrm rot="16200000" flipH="1">
-            <a:off x="2965802" y="6232818"/>
-            <a:ext cx="43033" cy="2246171"/>
-          </a:xfrm>
-          <a:prstGeom prst="bentConnector3">
-            <a:avLst>
-              <a:gd name="adj1" fmla="val 631220"/>
-            </a:avLst>
-          </a:prstGeom>
-        </p:spPr>
-        <p:style>
-          <a:lnRef idx="1">
-            <a:schemeClr val="accent1"/>
-          </a:lnRef>
-          <a:fillRef idx="0">
-            <a:schemeClr val="accent1"/>
-          </a:fillRef>
-          <a:effectRef idx="0">
-            <a:schemeClr val="accent1"/>
-          </a:effectRef>
-          <a:fontRef idx="minor">
-            <a:schemeClr val="tx1"/>
-          </a:fontRef>
-        </p:style>
-      </p:cxnSp>
-      <p:cxnSp>
-        <p:nvCxnSpPr>
-          <p:cNvPr id="51" name="Straight Connector 50"/>
-          <p:cNvCxnSpPr>
-            <a:stCxn id="12" idx="2"/>
-            <a:endCxn id="45" idx="0"/>
-          </p:cNvCxnSpPr>
-          <p:nvPr/>
-        </p:nvCxnSpPr>
+        </p:nvSpPr>
         <p:spPr>
           <a:xfrm>
-            <a:off x="6371734" y="1818043"/>
-            <a:ext cx="0" cy="247425"/>
-          </a:xfrm>
-          <a:prstGeom prst="line">
+            <a:off x="3732661" y="485215"/>
+            <a:ext cx="4793876" cy="369332"/>
+          </a:xfrm>
+          <a:prstGeom prst="rect">
             <a:avLst/>
           </a:prstGeom>
-          <a:ln w="28575"/>
-        </p:spPr>
-        <p:style>
-          <a:lnRef idx="1">
-            <a:schemeClr val="accent1"/>
-          </a:lnRef>
-          <a:fillRef idx="0">
-            <a:schemeClr val="accent1"/>
-          </a:fillRef>
-          <a:effectRef idx="0">
-            <a:schemeClr val="accent1"/>
-          </a:effectRef>
-          <a:fontRef idx="minor">
-            <a:schemeClr val="tx1"/>
-          </a:fontRef>
-        </p:style>
-      </p:cxnSp>
+          <a:noFill/>
+        </p:spPr>
+        <p:txBody>
+          <a:bodyPr wrap="none" rtlCol="0">
+            <a:spAutoFit/>
+          </a:bodyPr>
+          <a:lstStyle/>
+          <a:p>
+            <a:r>
+              <a:rPr lang="es-ES_tradnl" b="1" dirty="0" smtClean="0"/>
+              <a:t>Figura 1. Elementos del proceso de investigación</a:t>
+            </a:r>
+            <a:endParaRPr lang="es-ES_tradnl" b="1" dirty="0"/>
+          </a:p>
+        </p:txBody>
+      </p:sp>
+      <p:sp>
+        <p:nvSpPr>
+          <p:cNvPr id="54" name="TextBox 53"/>
+          <p:cNvSpPr txBox="1"/>
+          <p:nvPr/>
+        </p:nvSpPr>
+        <p:spPr>
+          <a:xfrm rot="16200000">
+            <a:off x="896354" y="3994894"/>
+            <a:ext cx="1318310" cy="307777"/>
+          </a:xfrm>
+          <a:prstGeom prst="rect">
+            <a:avLst/>
+          </a:prstGeom>
+          <a:noFill/>
+        </p:spPr>
+        <p:txBody>
+          <a:bodyPr wrap="none" rtlCol="0">
+            <a:spAutoFit/>
+          </a:bodyPr>
+          <a:lstStyle/>
+          <a:p>
+            <a:r>
+              <a:rPr lang="es-ES_tradnl" sz="1400" smtClean="0"/>
+              <a:t>Automatizables</a:t>
+            </a:r>
+            <a:endParaRPr lang="es-ES_tradnl" sz="1400"/>
+          </a:p>
+        </p:txBody>
+      </p:sp>
     </p:spTree>
     <p:extLst>
       <p:ext uri="{BB962C8B-B14F-4D97-AF65-F5344CB8AC3E}">

--- a/Sesiones/Modelo.pptx
+++ b/Sesiones/Modelo.pptx
@@ -6874,7 +6874,7 @@
                         <a:ea typeface="Helvetica" charset="0"/>
                         <a:cs typeface="Helvetica" charset="0"/>
                       </a:rPr>
-                      <a:t>Registrar bibliografía</a:t>
+                      <a:t>Registrar referencias</a:t>
                     </a:r>
                     <a:endParaRPr lang="es-ES_tradnl" sz="1000" b="1" dirty="0">
                       <a:latin typeface="Helvetica" charset="0"/>
@@ -6922,7 +6922,7 @@
                         <a:ea typeface="Helvetica" charset="0"/>
                         <a:cs typeface="Helvetica" charset="0"/>
                       </a:rPr>
-                      <a:t>Incluir bibliografía</a:t>
+                      <a:t>Incluir referencias</a:t>
                     </a:r>
                     <a:endParaRPr lang="es-ES_tradnl" sz="1000" b="1" dirty="0">
                       <a:latin typeface="Helvetica" charset="0"/>
